--- a/Seminar #1 Programiranje 2.pptx
+++ b/Seminar #1 Programiranje 2.pptx
@@ -7768,11 +7768,11 @@
           <a:p>
             <a:pPr lvl="0"/>
             <a:r>
-              <a:rPr lang="en" dirty="0"/>
+              <a:rPr lang="en" i="1" dirty="0"/>
               <a:t>Trenutno stanje:</a:t>
             </a:r>
             <a:br>
-              <a:rPr lang="en" dirty="0"/>
+              <a:rPr lang="en" i="1" dirty="0"/>
             </a:br>
             <a:r>
               <a:rPr lang="sl-SI" dirty="0"/>
@@ -8960,10 +8960,10 @@
               <a:buNone/>
             </a:pPr>
             <a:r>
-              <a:rPr lang="en"/>
+              <a:rPr lang="en" dirty="0"/>
               <a:t>Metode dela</a:t>
             </a:r>
-            <a:endParaRPr/>
+            <a:endParaRPr dirty="0"/>
           </a:p>
         </p:txBody>
       </p:sp>
@@ -9002,14 +9002,14 @@
               <a:buNone/>
             </a:pPr>
             <a:r>
-              <a:rPr lang="en" sz="2100" b="1">
+              <a:rPr lang="en" sz="2100" b="1" dirty="0">
                 <a:solidFill>
                   <a:schemeClr val="dk1"/>
                 </a:solidFill>
               </a:rPr>
               <a:t>Pristop 1</a:t>
             </a:r>
-            <a:endParaRPr sz="2100" b="1">
+            <a:endParaRPr sz="2100" b="1" dirty="0">
               <a:solidFill>
                 <a:schemeClr val="dk1"/>
               </a:solidFill>
@@ -9027,10 +9027,10 @@
               <a:buChar char="●"/>
             </a:pPr>
             <a:r>
-              <a:rPr lang="en" sz="1600"/>
-              <a:t>Lorem ipsum dolor sit amet, consectetur adipiscing elit</a:t>
+              <a:rPr lang="sl-SI" sz="1600" dirty="0"/>
+              <a:t>Načrtovanje baze</a:t>
             </a:r>
-            <a:endParaRPr sz="1600"/>
+            <a:endParaRPr sz="1600" dirty="0"/>
           </a:p>
           <a:p>
             <a:pPr marL="457200" lvl="0" indent="-330200">
@@ -9044,10 +9044,14 @@
               <a:buChar char="●"/>
             </a:pPr>
             <a:r>
-              <a:rPr lang="en" sz="1600"/>
-              <a:t>Sed do eiusmod tempor incididunt ut labore et dolore magna aliqua. </a:t>
+              <a:rPr lang="en" sz="1600" dirty="0"/>
+              <a:t> </a:t>
             </a:r>
-            <a:endParaRPr sz="1600"/>
+            <a:r>
+              <a:rPr lang="sl-SI" sz="1600" dirty="0"/>
+              <a:t>Vzpostavite baze</a:t>
+            </a:r>
+            <a:endParaRPr sz="1600" dirty="0"/>
           </a:p>
         </p:txBody>
       </p:sp>
@@ -9086,14 +9090,14 @@
               <a:buNone/>
             </a:pPr>
             <a:r>
-              <a:rPr lang="en" sz="2100" b="1">
+              <a:rPr lang="en" sz="2100" b="1" dirty="0">
                 <a:solidFill>
                   <a:schemeClr val="dk1"/>
                 </a:solidFill>
               </a:rPr>
               <a:t>Pristop 2</a:t>
             </a:r>
-            <a:endParaRPr sz="2100" b="1">
+            <a:endParaRPr sz="2100" b="1" dirty="0">
               <a:solidFill>
                 <a:schemeClr val="dk1"/>
               </a:solidFill>
@@ -9111,10 +9115,31 @@
               <a:buChar char="●"/>
             </a:pPr>
             <a:r>
-              <a:rPr lang="en" sz="1600"/>
-              <a:t>Ut enim ad minim veniam, quis nostrud exercitation ullamco laboris nisi ut aliquip ex ea commodo consequat.</a:t>
+              <a:rPr lang="sl-SI" sz="1600" dirty="0"/>
+              <a:t>Kreiranje </a:t>
             </a:r>
-            <a:endParaRPr sz="1800"/>
+            <a:r>
+              <a:rPr lang="sl-SI" sz="1600" dirty="0" err="1"/>
+              <a:t>repozitorija</a:t>
+            </a:r>
+            <a:endParaRPr lang="sl-SI" sz="1600" dirty="0"/>
+          </a:p>
+          <a:p>
+            <a:pPr marL="457200" lvl="0" indent="-330200">
+              <a:spcBef>
+                <a:spcPts val="1600"/>
+              </a:spcBef>
+              <a:spcAft>
+                <a:spcPts val="1200"/>
+              </a:spcAft>
+              <a:buSzPts val="1600"/>
+              <a:buChar char="●"/>
+            </a:pPr>
+            <a:r>
+              <a:rPr lang="sl-SI" sz="1600" dirty="0"/>
+              <a:t>Nalaganje osnovnih datotek</a:t>
+            </a:r>
+            <a:endParaRPr sz="1800" dirty="0"/>
           </a:p>
         </p:txBody>
       </p:sp>
@@ -9462,24 +9487,8 @@
               <a:buNone/>
             </a:pPr>
             <a:r>
-              <a:rPr lang="en" sz="1600" dirty="0"/>
-              <a:t>Lorem ipsum dolor sit amet</a:t>
-            </a:r>
-            <a:endParaRPr sz="1600" dirty="0"/>
-          </a:p>
-          <a:p>
-            <a:pPr marL="0" lvl="0" indent="0">
-              <a:spcBef>
-                <a:spcPts val="0"/>
-              </a:spcBef>
-              <a:spcAft>
-                <a:spcPts val="0"/>
-              </a:spcAft>
-              <a:buNone/>
-            </a:pPr>
-            <a:r>
-              <a:rPr lang="en" sz="1600" dirty="0"/>
-              <a:t>Consectetur adipiscing elit, sed do eiusmod tempor</a:t>
+              <a:rPr lang="sl-SI" sz="1600" dirty="0"/>
+              <a:t>Načrtovanje E-R diagrama in vzpostavitev baze.</a:t>
             </a:r>
             <a:endParaRPr sz="1600" dirty="0"/>
           </a:p>
@@ -9496,7 +9505,7 @@
                   <a:schemeClr val="dk1"/>
                 </a:solidFill>
               </a:rPr>
-              <a:t>Vzpostavitev okolja</a:t>
+              <a:t>Vzpostavitev razvojnega in izvajalnega okolja</a:t>
             </a:r>
             <a:endParaRPr sz="2100" b="1" dirty="0">
               <a:solidFill>
@@ -9515,10 +9524,10 @@
               <a:buNone/>
             </a:pPr>
             <a:r>
-              <a:rPr lang="en" sz="1600" dirty="0"/>
-              <a:t>Lorem ipsum dolor sit amet</a:t>
+              <a:rPr lang="sl-SI" sz="1600" dirty="0"/>
+              <a:t>Dogovor o skupnem okolju in namestitev.</a:t>
             </a:r>
-            <a:endParaRPr sz="1600" dirty="0"/>
+            <a:endParaRPr lang="da-DK" sz="1600" dirty="0"/>
           </a:p>
           <a:p>
             <a:pPr marL="0" lvl="0" indent="0">
@@ -9555,10 +9564,9 @@
               <a:buNone/>
             </a:pPr>
             <a:r>
-              <a:rPr lang="en" sz="1600" dirty="0"/>
-              <a:t>Consectetur adipiscing elit, sed do eiusmod tempor</a:t>
+              <a:rPr lang="sl-SI" sz="1600" dirty="0"/>
+              <a:t>Analiza besedila naloge in ustvarjanje vizije/rešitve.</a:t>
             </a:r>
-            <a:endParaRPr sz="1600" dirty="0"/>
           </a:p>
           <a:p>
             <a:pPr marL="0" lvl="0" indent="0">
@@ -9861,7 +9869,7 @@
         <p:spPr>
           <a:xfrm>
             <a:off x="318375" y="385667"/>
-            <a:ext cx="2242800" cy="906300"/>
+            <a:ext cx="2366256" cy="906300"/>
           </a:xfrm>
           <a:prstGeom prst="rect">
             <a:avLst/>
@@ -10093,7 +10101,7 @@
         <p:spPr>
           <a:xfrm>
             <a:off x="1244337" y="3757725"/>
-            <a:ext cx="2242800" cy="906300"/>
+            <a:ext cx="2772762" cy="906300"/>
           </a:xfrm>
           <a:prstGeom prst="rect">
             <a:avLst/>
@@ -10115,14 +10123,14 @@
               <a:buNone/>
             </a:pPr>
             <a:r>
-              <a:rPr lang="en" sz="1600">
+              <a:rPr lang="sl-SI" sz="1600" dirty="0">
                 <a:solidFill>
                   <a:srgbClr val="FF9900"/>
                 </a:solidFill>
               </a:rPr>
-              <a:t>Lorem ipsum dolor sit amet, consectetur adipiscing elit</a:t>
+              <a:t>Priprava stabilne različice rešitve in enotnega uporabniškega vmesnika</a:t>
             </a:r>
-            <a:endParaRPr sz="1600">
+            <a:endParaRPr sz="1600" dirty="0">
               <a:solidFill>
                 <a:srgbClr val="FF9900"/>
               </a:solidFill>
@@ -10324,8 +10332,8 @@
         </p:nvSpPr>
         <p:spPr>
           <a:xfrm>
-            <a:off x="3304094" y="385667"/>
-            <a:ext cx="2242800" cy="906300"/>
+            <a:off x="3304093" y="385667"/>
+            <a:ext cx="2768439" cy="906300"/>
           </a:xfrm>
           <a:prstGeom prst="rect">
             <a:avLst/>
@@ -10347,14 +10355,14 @@
               <a:buNone/>
             </a:pPr>
             <a:r>
-              <a:rPr lang="en" sz="1600">
+              <a:rPr lang="sl-SI" sz="1600" dirty="0">
                 <a:solidFill>
                   <a:srgbClr val="FF0000"/>
                 </a:solidFill>
               </a:rPr>
-              <a:t>Lorem ipsum dolor sit amet, consectetur adipiscing elit</a:t>
+              <a:t>Delo na funkcionalnostih in priprava stabilne različice rešitve z omejenim naborom funkcionalnosti</a:t>
             </a:r>
-            <a:endParaRPr sz="1600">
+            <a:endParaRPr sz="1600" dirty="0">
               <a:solidFill>
                 <a:srgbClr val="FF0000"/>
               </a:solidFill>
@@ -10556,8 +10564,8 @@
         </p:nvSpPr>
         <p:spPr>
           <a:xfrm>
-            <a:off x="5126902" y="3757725"/>
-            <a:ext cx="2242800" cy="906300"/>
+            <a:off x="5126901" y="3757725"/>
+            <a:ext cx="2642367" cy="906300"/>
           </a:xfrm>
           <a:prstGeom prst="rect">
             <a:avLst/>
@@ -10579,14 +10587,14 @@
               <a:buNone/>
             </a:pPr>
             <a:r>
-              <a:rPr lang="en" sz="1600">
+              <a:rPr lang="sl-SI" sz="1600" dirty="0">
                 <a:solidFill>
                   <a:srgbClr val="FF0000"/>
                 </a:solidFill>
               </a:rPr>
-              <a:t>Lorem ipsum dolor sit amet, consectetur adipiscing elit</a:t>
+              <a:t>Delo na funkcionalnostih, pripravljena RC različica rešitve z vsemi funkcionalnostmi</a:t>
             </a:r>
-            <a:endParaRPr sz="1600">
+            <a:endParaRPr sz="1600" dirty="0">
               <a:solidFill>
                 <a:srgbClr val="FF0000"/>
               </a:solidFill>
@@ -10788,8 +10796,8 @@
         </p:nvSpPr>
         <p:spPr>
           <a:xfrm>
-            <a:off x="6685979" y="385667"/>
-            <a:ext cx="2242800" cy="906300"/>
+            <a:off x="6464595" y="385667"/>
+            <a:ext cx="2464184" cy="906300"/>
           </a:xfrm>
           <a:prstGeom prst="rect">
             <a:avLst/>
@@ -10811,14 +10819,14 @@
               <a:buNone/>
             </a:pPr>
             <a:r>
-              <a:rPr lang="en" sz="1600">
+              <a:rPr lang="sl-SI" sz="1600" dirty="0">
                 <a:solidFill>
                   <a:srgbClr val="FF0000"/>
                 </a:solidFill>
               </a:rPr>
-              <a:t>Lorem ipsum dolor sit amet, consectetur adipiscing elit</a:t>
+              <a:t>Testiranje in dopolnjevanje ter popravki končne različice in namestitev na strežnik</a:t>
             </a:r>
-            <a:endParaRPr sz="1600">
+            <a:endParaRPr sz="1600" dirty="0">
               <a:solidFill>
                 <a:srgbClr val="FF0000"/>
               </a:solidFill>

--- a/Seminar #1 Programiranje 2.pptx
+++ b/Seminar #1 Programiranje 2.pptx
@@ -8637,14 +8637,14 @@
               <a:buNone/>
             </a:pPr>
             <a:r>
-              <a:rPr lang="en" sz="2100" b="1">
+              <a:rPr lang="en" sz="2100" b="1" dirty="0">
                 <a:solidFill>
                   <a:schemeClr val="dk1"/>
                 </a:solidFill>
               </a:rPr>
               <a:t>Izdelek 1</a:t>
             </a:r>
-            <a:endParaRPr sz="2100" b="1">
+            <a:endParaRPr sz="2100" b="1" dirty="0">
               <a:solidFill>
                 <a:schemeClr val="dk1"/>
               </a:solidFill>
@@ -8662,27 +8662,10 @@
               <a:buChar char="●"/>
             </a:pPr>
             <a:r>
-              <a:rPr lang="en" sz="1600"/>
-              <a:t>Lorem ipsum dolor sit amet, consectetur adipiscing elit</a:t>
+              <a:rPr lang="sl-SI" sz="1600" dirty="0"/>
+              <a:t>E-R diagram</a:t>
             </a:r>
-            <a:endParaRPr sz="1600"/>
-          </a:p>
-          <a:p>
-            <a:pPr marL="457200" lvl="0" indent="-330200">
-              <a:spcBef>
-                <a:spcPts val="1200"/>
-              </a:spcBef>
-              <a:spcAft>
-                <a:spcPts val="1200"/>
-              </a:spcAft>
-              <a:buSzPts val="1600"/>
-              <a:buChar char="●"/>
-            </a:pPr>
-            <a:r>
-              <a:rPr lang="en" sz="1600"/>
-              <a:t>Sed do eiusmod tempor incididunt ut labore et dolore magna aliqua. </a:t>
-            </a:r>
-            <a:endParaRPr sz="1600"/>
+            <a:endParaRPr sz="1600" dirty="0"/>
           </a:p>
         </p:txBody>
       </p:sp>
@@ -8725,14 +8708,14 @@
               <a:buNone/>
             </a:pPr>
             <a:r>
-              <a:rPr lang="en" sz="2100" b="1">
+              <a:rPr lang="en" sz="2100" b="1" dirty="0">
                 <a:solidFill>
                   <a:schemeClr val="dk1"/>
                 </a:solidFill>
               </a:rPr>
               <a:t>Izdelek 2</a:t>
             </a:r>
-            <a:endParaRPr sz="2100" b="1">
+            <a:endParaRPr sz="2100" b="1" dirty="0">
               <a:solidFill>
                 <a:schemeClr val="dk1"/>
               </a:solidFill>
@@ -8750,10 +8733,10 @@
               <a:buChar char="●"/>
             </a:pPr>
             <a:r>
-              <a:rPr lang="en" sz="1600"/>
-              <a:t>Ut enim ad minim veniam, quis nostrud exercitation ullamco laboris nisi ut aliquip ex ea commodo consequat.</a:t>
+              <a:rPr lang="sl-SI" sz="1600" dirty="0"/>
+              <a:t>Osnovni pogled</a:t>
             </a:r>
-            <a:endParaRPr sz="1800"/>
+            <a:endParaRPr sz="1800" dirty="0"/>
           </a:p>
         </p:txBody>
       </p:sp>

--- a/Seminar #1 Programiranje 2.pptx
+++ b/Seminar #1 Programiranje 2.pptx
@@ -8992,49 +8992,27 @@
               </a:rPr>
               <a:t>Pristop 1</a:t>
             </a:r>
-            <a:endParaRPr sz="2100" b="1" dirty="0">
+            <a:endParaRPr lang="sl-SI" sz="2100" b="1" dirty="0">
               <a:solidFill>
                 <a:schemeClr val="dk1"/>
               </a:solidFill>
             </a:endParaRPr>
           </a:p>
           <a:p>
-            <a:pPr marL="457200" lvl="0" indent="-330200">
-              <a:spcBef>
-                <a:spcPts val="1600"/>
-              </a:spcBef>
-              <a:spcAft>
-                <a:spcPts val="0"/>
-              </a:spcAft>
-              <a:buSzPts val="1600"/>
-              <a:buChar char="●"/>
-            </a:pPr>
+            <a:pPr marL="342900" indent="-342900"/>
             <a:r>
-              <a:rPr lang="sl-SI" sz="1600" dirty="0"/>
-              <a:t>Načrtovanje baze</a:t>
+              <a:rPr lang="sl-SI" sz="2100" b="1" dirty="0" err="1">
+                <a:solidFill>
+                  <a:schemeClr val="bg2"/>
+                </a:solidFill>
+              </a:rPr>
+              <a:t>Kanban</a:t>
             </a:r>
-            <a:endParaRPr sz="1600" dirty="0"/>
-          </a:p>
-          <a:p>
-            <a:pPr marL="457200" lvl="0" indent="-330200">
-              <a:spcBef>
-                <a:spcPts val="1200"/>
-              </a:spcBef>
-              <a:spcAft>
-                <a:spcPts val="1200"/>
-              </a:spcAft>
-              <a:buSzPts val="1600"/>
-              <a:buChar char="●"/>
-            </a:pPr>
-            <a:r>
-              <a:rPr lang="en" sz="1600" dirty="0"/>
-              <a:t> </a:t>
-            </a:r>
-            <a:r>
-              <a:rPr lang="sl-SI" sz="1600" dirty="0"/>
-              <a:t>Vzpostavite baze</a:t>
-            </a:r>
-            <a:endParaRPr sz="1600" dirty="0"/>
+            <a:endParaRPr lang="sl-SI" sz="2100" b="1" dirty="0">
+              <a:solidFill>
+                <a:schemeClr val="bg2"/>
+              </a:solidFill>
+            </a:endParaRPr>
           </a:p>
         </p:txBody>
       </p:sp>
@@ -9073,56 +9051,13 @@
               <a:buNone/>
             </a:pPr>
             <a:r>
-              <a:rPr lang="en" sz="2100" b="1" dirty="0">
+              <a:rPr lang="sl-SI" sz="2100" b="1" dirty="0">
                 <a:solidFill>
                   <a:schemeClr val="dk1"/>
                 </a:solidFill>
               </a:rPr>
               <a:t>Pristop 2</a:t>
             </a:r>
-            <a:endParaRPr sz="2100" b="1" dirty="0">
-              <a:solidFill>
-                <a:schemeClr val="dk1"/>
-              </a:solidFill>
-            </a:endParaRPr>
-          </a:p>
-          <a:p>
-            <a:pPr marL="457200" lvl="0" indent="-330200">
-              <a:spcBef>
-                <a:spcPts val="1600"/>
-              </a:spcBef>
-              <a:spcAft>
-                <a:spcPts val="1200"/>
-              </a:spcAft>
-              <a:buSzPts val="1600"/>
-              <a:buChar char="●"/>
-            </a:pPr>
-            <a:r>
-              <a:rPr lang="sl-SI" sz="1600" dirty="0"/>
-              <a:t>Kreiranje </a:t>
-            </a:r>
-            <a:r>
-              <a:rPr lang="sl-SI" sz="1600" dirty="0" err="1"/>
-              <a:t>repozitorija</a:t>
-            </a:r>
-            <a:endParaRPr lang="sl-SI" sz="1600" dirty="0"/>
-          </a:p>
-          <a:p>
-            <a:pPr marL="457200" lvl="0" indent="-330200">
-              <a:spcBef>
-                <a:spcPts val="1600"/>
-              </a:spcBef>
-              <a:spcAft>
-                <a:spcPts val="1200"/>
-              </a:spcAft>
-              <a:buSzPts val="1600"/>
-              <a:buChar char="●"/>
-            </a:pPr>
-            <a:r>
-              <a:rPr lang="sl-SI" sz="1600" dirty="0"/>
-              <a:t>Nalaganje osnovnih datotek</a:t>
-            </a:r>
-            <a:endParaRPr sz="1800" dirty="0"/>
           </a:p>
         </p:txBody>
       </p:sp>
@@ -9228,14 +9163,14 @@
               <a:buNone/>
             </a:pPr>
             <a:r>
-              <a:rPr lang="en" sz="2100" b="1">
+              <a:rPr lang="en" sz="2100" b="1" dirty="0">
                 <a:solidFill>
                   <a:schemeClr val="dk1"/>
                 </a:solidFill>
               </a:rPr>
               <a:t>Pozitivne</a:t>
             </a:r>
-            <a:endParaRPr sz="2100" b="1">
+            <a:endParaRPr sz="2100" b="1" dirty="0">
               <a:solidFill>
                 <a:schemeClr val="dk1"/>
               </a:solidFill>
@@ -9253,27 +9188,9 @@
               <a:buChar char="●"/>
             </a:pPr>
             <a:r>
-              <a:rPr lang="en" sz="1600"/>
-              <a:t>Lorem ipsum dolor sit amet, consectetur adipiscing elit</a:t>
+              <a:rPr lang="sl-SI" sz="1600" dirty="0"/>
+              <a:t>Dogovor o zadolžitvah</a:t>
             </a:r>
-            <a:endParaRPr sz="1600"/>
-          </a:p>
-          <a:p>
-            <a:pPr marL="457200" lvl="0" indent="-330200" rtl="0">
-              <a:spcBef>
-                <a:spcPts val="1200"/>
-              </a:spcBef>
-              <a:spcAft>
-                <a:spcPts val="1200"/>
-              </a:spcAft>
-              <a:buSzPts val="1600"/>
-              <a:buChar char="●"/>
-            </a:pPr>
-            <a:r>
-              <a:rPr lang="en" sz="1600"/>
-              <a:t>Sed do eiusmod tempor incididunt ut labore et dolore magna aliqua. </a:t>
-            </a:r>
-            <a:endParaRPr sz="1600"/>
           </a:p>
         </p:txBody>
       </p:sp>
@@ -9312,14 +9229,14 @@
               <a:buNone/>
             </a:pPr>
             <a:r>
-              <a:rPr lang="en" sz="2100" b="1">
+              <a:rPr lang="en" sz="2100" b="1" dirty="0">
                 <a:solidFill>
                   <a:schemeClr val="dk1"/>
                 </a:solidFill>
               </a:rPr>
               <a:t>Negativne</a:t>
             </a:r>
-            <a:endParaRPr sz="2100" b="1">
+            <a:endParaRPr sz="2100" b="1" dirty="0">
               <a:solidFill>
                 <a:schemeClr val="dk1"/>
               </a:solidFill>
@@ -9337,10 +9254,10 @@
               <a:buChar char="●"/>
             </a:pPr>
             <a:r>
-              <a:rPr lang="en" sz="1600"/>
-              <a:t>Ut enim ad minim veniam, quis nostrud exercitation ullamco laboris nisi ut aliquip ex ea commodo consequat.</a:t>
+              <a:rPr lang="sl-SI" sz="1600" dirty="0"/>
+              <a:t>Še ni delujoče različice</a:t>
             </a:r>
-            <a:endParaRPr sz="1800"/>
+            <a:endParaRPr sz="1800" dirty="0"/>
           </a:p>
         </p:txBody>
       </p:sp>
@@ -9436,46 +9353,6 @@
           </a:bodyPr>
           <a:lstStyle/>
           <a:p>
-            <a:pPr marL="0" lvl="0" indent="0">
-              <a:spcBef>
-                <a:spcPts val="0"/>
-              </a:spcBef>
-              <a:spcAft>
-                <a:spcPts val="0"/>
-              </a:spcAft>
-              <a:buNone/>
-            </a:pPr>
-            <a:r>
-              <a:rPr lang="sl-SI" sz="2100" b="1" dirty="0">
-                <a:solidFill>
-                  <a:schemeClr val="dk1"/>
-                </a:solidFill>
-              </a:rPr>
-              <a:t>Vzpostavitev baze</a:t>
-            </a:r>
-            <a:endParaRPr sz="2100" b="1" dirty="0">
-              <a:solidFill>
-                <a:schemeClr val="dk1"/>
-              </a:solidFill>
-            </a:endParaRPr>
-          </a:p>
-          <a:p>
-            <a:pPr marL="0" lvl="0" indent="0">
-              <a:spcBef>
-                <a:spcPts val="0"/>
-              </a:spcBef>
-              <a:spcAft>
-                <a:spcPts val="0"/>
-              </a:spcAft>
-              <a:buNone/>
-            </a:pPr>
-            <a:r>
-              <a:rPr lang="sl-SI" sz="1600" dirty="0"/>
-              <a:t>Načrtovanje E-R diagrama in vzpostavitev baze.</a:t>
-            </a:r>
-            <a:endParaRPr sz="1600" dirty="0"/>
-          </a:p>
-          <a:p>
             <a:pPr marL="0" indent="0">
               <a:spcBef>
                 <a:spcPts val="1600"/>
@@ -9528,7 +9405,7 @@
                   <a:schemeClr val="dk1"/>
                 </a:solidFill>
               </a:rPr>
-              <a:t>Dokumentacija</a:t>
+              <a:t>Začetek gradnje strani</a:t>
             </a:r>
             <a:endParaRPr sz="2100" b="1" dirty="0">
               <a:solidFill>
@@ -9548,7 +9425,7 @@
             </a:pPr>
             <a:r>
               <a:rPr lang="sl-SI" sz="1600" dirty="0"/>
-              <a:t>Analiza besedila naloge in ustvarjanje vizije/rešitve.</a:t>
+              <a:t>Osnovna različica z začetnimi funkcionalnostmi.</a:t>
             </a:r>
           </a:p>
           <a:p>

--- a/Seminar #1 Programiranje 2.pptx
+++ b/Seminar #1 Programiranje 2.pptx
@@ -9385,7 +9385,11 @@
             </a:pPr>
             <a:r>
               <a:rPr lang="sl-SI" sz="1600" dirty="0"/>
-              <a:t>Dogovor o skupnem okolju in namestitev.</a:t>
+              <a:t>Dogovor o skupnem okolju </a:t>
+            </a:r>
+            <a:r>
+              <a:rPr lang="sl-SI" sz="1600"/>
+              <a:t>in namestitev.</a:t>
             </a:r>
             <a:endParaRPr lang="da-DK" sz="1600" dirty="0"/>
           </a:p>
